--- a/image.pptx
+++ b/image.pptx
@@ -111,14 +111,6 @@
     </p:ext>
   </p:extLst>
 </p:presentation>
-</file>
-
-<file path=ppt/revisionInfo.xml><?xml version="1.0" encoding="utf-8"?>
-<p1510:revInfo xmlns:a="http://schemas.openxmlformats.org/drawingml/2006/main" xmlns:r="http://schemas.openxmlformats.org/officeDocument/2006/relationships" xmlns:p1510="http://schemas.microsoft.com/office/powerpoint/2015/10/main">
-  <p1510:revLst>
-    <p1510:client id="{A81D237E-AECB-405A-B984-30F34D79BAEC}" v="19" dt="2024-10-24T04:41:57.813"/>
-  </p1510:revLst>
-</p1510:revInfo>
 </file>
 
 <file path=ppt/slideLayouts/slideLayout1.xml><?xml version="1.0" encoding="utf-8"?>
@@ -3371,6 +3363,39 @@
           </a:p>
         </p:txBody>
       </p:sp>
+      <p:sp>
+        <p:nvSpPr>
+          <p:cNvPr id="3" name="內容版面配置區 2">
+            <a:extLst>
+              <a:ext uri="{FF2B5EF4-FFF2-40B4-BE49-F238E27FC236}">
+                <a16:creationId xmlns:a16="http://schemas.microsoft.com/office/drawing/2014/main" id="{C451281D-D106-6D5B-C23A-D117E862A12F}"/>
+              </a:ext>
+            </a:extLst>
+          </p:cNvPr>
+          <p:cNvSpPr>
+            <a:spLocks noGrp="1"/>
+          </p:cNvSpPr>
+          <p:nvPr>
+            <p:ph idx="1"/>
+          </p:nvPr>
+        </p:nvSpPr>
+        <p:spPr>
+          <a:xfrm>
+            <a:off x="-420232" y="3158852"/>
+            <a:ext cx="10515600" cy="4351338"/>
+          </a:xfrm>
+        </p:spPr>
+        <p:txBody>
+          <a:bodyPr/>
+          <a:lstStyle/>
+          <a:p>
+            <a:pPr marL="0" indent="0">
+              <a:buNone/>
+            </a:pPr>
+            <a:endParaRPr lang="zh-TW" altLang="en-US" dirty="0"/>
+          </a:p>
+        </p:txBody>
+      </p:sp>
       <p:pic>
         <p:nvPicPr>
           <p:cNvPr id="4" name="圖片 3">
@@ -3526,7 +3551,7 @@
         </p:nvSpPr>
         <p:spPr>
           <a:xfrm>
-            <a:off x="1363103" y="2813937"/>
+            <a:off x="915868" y="2813937"/>
             <a:ext cx="900000" cy="900000"/>
           </a:xfrm>
           <a:prstGeom prst="rect">
@@ -4376,7 +4401,11 @@
           <a:prstGeom prst="line">
             <a:avLst/>
           </a:prstGeom>
-          <a:ln w="28575"/>
+          <a:ln w="28575">
+            <a:solidFill>
+              <a:srgbClr val="FF0000"/>
+            </a:solidFill>
+          </a:ln>
         </p:spPr>
         <p:style>
           <a:lnRef idx="1">
@@ -4403,6 +4432,7 @@
             </a:extLst>
           </p:cNvPr>
           <p:cNvCxnSpPr>
+            <a:cxnSpLocks/>
             <a:stCxn id="20" idx="3"/>
           </p:cNvCxnSpPr>
           <p:nvPr/>
@@ -4415,7 +4445,11 @@
           <a:prstGeom prst="bentConnector2">
             <a:avLst/>
           </a:prstGeom>
-          <a:ln w="28575"/>
+          <a:ln w="28575">
+            <a:solidFill>
+              <a:srgbClr val="FF0000"/>
+            </a:solidFill>
+          </a:ln>
         </p:spPr>
         <p:style>
           <a:lnRef idx="1">
@@ -4455,7 +4489,11 @@
           <a:prstGeom prst="line">
             <a:avLst/>
           </a:prstGeom>
-          <a:ln w="28575"/>
+          <a:ln w="28575">
+            <a:solidFill>
+              <a:srgbClr val="FF0000"/>
+            </a:solidFill>
+          </a:ln>
         </p:spPr>
         <p:style>
           <a:lnRef idx="1">
@@ -4496,89 +4534,11 @@
           <a:prstGeom prst="line">
             <a:avLst/>
           </a:prstGeom>
-          <a:ln w="28575"/>
-        </p:spPr>
-        <p:style>
-          <a:lnRef idx="1">
-            <a:schemeClr val="dk1"/>
-          </a:lnRef>
-          <a:fillRef idx="0">
-            <a:schemeClr val="dk1"/>
-          </a:fillRef>
-          <a:effectRef idx="0">
-            <a:schemeClr val="dk1"/>
-          </a:effectRef>
-          <a:fontRef idx="minor">
-            <a:schemeClr val="tx1"/>
-          </a:fontRef>
-        </p:style>
-      </p:cxnSp>
-      <p:cxnSp>
-        <p:nvCxnSpPr>
-          <p:cNvPr id="51" name="直線接點 50">
-            <a:extLst>
-              <a:ext uri="{FF2B5EF4-FFF2-40B4-BE49-F238E27FC236}">
-                <a16:creationId xmlns:a16="http://schemas.microsoft.com/office/drawing/2014/main" id="{240AEA68-7D21-DB4B-798D-DF8C30A8F670}"/>
-              </a:ext>
-            </a:extLst>
-          </p:cNvPr>
-          <p:cNvCxnSpPr>
-            <a:cxnSpLocks/>
-            <a:stCxn id="11" idx="1"/>
-            <a:endCxn id="15" idx="3"/>
-          </p:cNvCxnSpPr>
-          <p:nvPr/>
-        </p:nvCxnSpPr>
-        <p:spPr>
-          <a:xfrm flipH="1">
-            <a:off x="6036716" y="3429000"/>
-            <a:ext cx="387120" cy="0"/>
-          </a:xfrm>
-          <a:prstGeom prst="line">
-            <a:avLst/>
-          </a:prstGeom>
-          <a:ln w="28575"/>
-        </p:spPr>
-        <p:style>
-          <a:lnRef idx="1">
-            <a:schemeClr val="dk1"/>
-          </a:lnRef>
-          <a:fillRef idx="0">
-            <a:schemeClr val="dk1"/>
-          </a:fillRef>
-          <a:effectRef idx="0">
-            <a:schemeClr val="dk1"/>
-          </a:effectRef>
-          <a:fontRef idx="minor">
-            <a:schemeClr val="tx1"/>
-          </a:fontRef>
-        </p:style>
-      </p:cxnSp>
-      <p:cxnSp>
-        <p:nvCxnSpPr>
-          <p:cNvPr id="54" name="直線接點 53">
-            <a:extLst>
-              <a:ext uri="{FF2B5EF4-FFF2-40B4-BE49-F238E27FC236}">
-                <a16:creationId xmlns:a16="http://schemas.microsoft.com/office/drawing/2014/main" id="{5B805B06-A6F7-0184-3E07-0EF45E4B753B}"/>
-              </a:ext>
-            </a:extLst>
-          </p:cNvPr>
-          <p:cNvCxnSpPr>
-            <a:cxnSpLocks/>
-            <a:stCxn id="5" idx="3"/>
-            <a:endCxn id="15" idx="1"/>
-          </p:cNvCxnSpPr>
-          <p:nvPr/>
-        </p:nvCxnSpPr>
-        <p:spPr>
-          <a:xfrm flipV="1">
-            <a:off x="3125334" y="3429000"/>
-            <a:ext cx="391382" cy="1"/>
-          </a:xfrm>
-          <a:prstGeom prst="line">
-            <a:avLst/>
-          </a:prstGeom>
-          <a:ln w="28575"/>
+          <a:ln w="28575">
+            <a:solidFill>
+              <a:srgbClr val="FF0000"/>
+            </a:solidFill>
+          </a:ln>
         </p:spPr>
         <p:style>
           <a:lnRef idx="1">
@@ -4818,41 +4778,374 @@
           </a:p>
         </p:txBody>
       </p:sp>
+      <p:sp>
+        <p:nvSpPr>
+          <p:cNvPr id="7" name="矩形 6">
+            <a:extLst>
+              <a:ext uri="{FF2B5EF4-FFF2-40B4-BE49-F238E27FC236}">
+                <a16:creationId xmlns:a16="http://schemas.microsoft.com/office/drawing/2014/main" id="{CAA24379-1D87-F20D-EEB9-B924B02E5396}"/>
+              </a:ext>
+            </a:extLst>
+          </p:cNvPr>
+          <p:cNvSpPr/>
+          <p:nvPr/>
+        </p:nvSpPr>
+        <p:spPr>
+          <a:xfrm>
+            <a:off x="1998847" y="2813937"/>
+            <a:ext cx="900000" cy="900000"/>
+          </a:xfrm>
+          <a:prstGeom prst="rect">
+            <a:avLst/>
+          </a:prstGeom>
+        </p:spPr>
+        <p:style>
+          <a:lnRef idx="2">
+            <a:schemeClr val="dk1">
+              <a:shade val="15000"/>
+            </a:schemeClr>
+          </a:lnRef>
+          <a:fillRef idx="1">
+            <a:schemeClr val="dk1"/>
+          </a:fillRef>
+          <a:effectRef idx="0">
+            <a:schemeClr val="dk1"/>
+          </a:effectRef>
+          <a:fontRef idx="minor">
+            <a:schemeClr val="lt1"/>
+          </a:fontRef>
+        </p:style>
+        <p:txBody>
+          <a:bodyPr rtlCol="0" anchor="ctr"/>
+          <a:lstStyle/>
+          <a:p>
+            <a:pPr algn="ctr"/>
+            <a:r>
+              <a:rPr lang="en-US" altLang="zh-TW" sz="1200" dirty="0" err="1">
+                <a:solidFill>
+                  <a:schemeClr val="bg1"/>
+                </a:solidFill>
+                <a:latin typeface="標楷體" panose="03000509000000000000" pitchFamily="65" charset="-120"/>
+                <a:ea typeface="標楷體" panose="03000509000000000000" pitchFamily="65" charset="-120"/>
+              </a:rPr>
+              <a:t>sobel</a:t>
+            </a:r>
+            <a:endParaRPr lang="en-US" altLang="zh-TW" sz="1200" dirty="0">
+              <a:solidFill>
+                <a:schemeClr val="bg1"/>
+              </a:solidFill>
+              <a:latin typeface="標楷體" panose="03000509000000000000" pitchFamily="65" charset="-120"/>
+              <a:ea typeface="標楷體" panose="03000509000000000000" pitchFamily="65" charset="-120"/>
+            </a:endParaRPr>
+          </a:p>
+        </p:txBody>
+      </p:sp>
       <p:cxnSp>
         <p:nvCxnSpPr>
-          <p:cNvPr id="63" name="直線接點 62">
-            <a:extLst>
-              <a:ext uri="{FF2B5EF4-FFF2-40B4-BE49-F238E27FC236}">
-                <a16:creationId xmlns:a16="http://schemas.microsoft.com/office/drawing/2014/main" id="{B13C7D99-4BF0-911C-315D-A56F925C4975}"/>
+          <p:cNvPr id="9" name="直線接點 8">
+            <a:extLst>
+              <a:ext uri="{FF2B5EF4-FFF2-40B4-BE49-F238E27FC236}">
+                <a16:creationId xmlns:a16="http://schemas.microsoft.com/office/drawing/2014/main" id="{8E3B6C48-63F7-409E-BAA1-63F0C6C8CE28}"/>
+              </a:ext>
+            </a:extLst>
+          </p:cNvPr>
+          <p:cNvCxnSpPr>
+            <a:endCxn id="7" idx="1"/>
+          </p:cNvCxnSpPr>
+          <p:nvPr/>
+        </p:nvCxnSpPr>
+        <p:spPr>
+          <a:xfrm>
+            <a:off x="1812894" y="3263937"/>
+            <a:ext cx="185953" cy="0"/>
+          </a:xfrm>
+          <a:prstGeom prst="line">
+            <a:avLst/>
+          </a:prstGeom>
+          <a:ln w="28575">
+            <a:solidFill>
+              <a:srgbClr val="FF0000"/>
+            </a:solidFill>
+          </a:ln>
+        </p:spPr>
+        <p:style>
+          <a:lnRef idx="1">
+            <a:schemeClr val="accent1"/>
+          </a:lnRef>
+          <a:fillRef idx="0">
+            <a:schemeClr val="accent1"/>
+          </a:fillRef>
+          <a:effectRef idx="0">
+            <a:schemeClr val="accent1"/>
+          </a:effectRef>
+          <a:fontRef idx="minor">
+            <a:schemeClr val="tx1"/>
+          </a:fontRef>
+        </p:style>
+      </p:cxnSp>
+      <p:cxnSp>
+        <p:nvCxnSpPr>
+          <p:cNvPr id="25" name="直線接點 24">
+            <a:extLst>
+              <a:ext uri="{FF2B5EF4-FFF2-40B4-BE49-F238E27FC236}">
+                <a16:creationId xmlns:a16="http://schemas.microsoft.com/office/drawing/2014/main" id="{1955D03A-B94D-6C02-2970-5C20D8A2DB7A}"/>
               </a:ext>
             </a:extLst>
           </p:cNvPr>
           <p:cNvCxnSpPr>
             <a:cxnSpLocks/>
-            <a:stCxn id="57" idx="1"/>
-            <a:endCxn id="11" idx="3"/>
+            <a:stCxn id="12" idx="3"/>
+            <a:endCxn id="16" idx="1"/>
+          </p:cNvCxnSpPr>
+          <p:nvPr/>
+        </p:nvCxnSpPr>
+        <p:spPr>
+          <a:xfrm>
+            <a:off x="7256892" y="3353937"/>
+            <a:ext cx="82385" cy="0"/>
+          </a:xfrm>
+          <a:prstGeom prst="line">
+            <a:avLst/>
+          </a:prstGeom>
+          <a:ln w="28575">
+            <a:solidFill>
+              <a:srgbClr val="FF0000"/>
+            </a:solidFill>
+          </a:ln>
+        </p:spPr>
+        <p:style>
+          <a:lnRef idx="1">
+            <a:schemeClr val="accent1"/>
+          </a:lnRef>
+          <a:fillRef idx="0">
+            <a:schemeClr val="accent1"/>
+          </a:fillRef>
+          <a:effectRef idx="0">
+            <a:schemeClr val="accent1"/>
+          </a:effectRef>
+          <a:fontRef idx="minor">
+            <a:schemeClr val="tx1"/>
+          </a:fontRef>
+        </p:style>
+      </p:cxnSp>
+      <p:cxnSp>
+        <p:nvCxnSpPr>
+          <p:cNvPr id="28" name="直線接點 27">
+            <a:extLst>
+              <a:ext uri="{FF2B5EF4-FFF2-40B4-BE49-F238E27FC236}">
+                <a16:creationId xmlns:a16="http://schemas.microsoft.com/office/drawing/2014/main" id="{D5097299-C876-AF0F-3FD1-ED767CD1CCBA}"/>
+              </a:ext>
+            </a:extLst>
+          </p:cNvPr>
+          <p:cNvCxnSpPr>
+            <a:cxnSpLocks/>
+            <a:stCxn id="17" idx="1"/>
+            <a:endCxn id="16" idx="3"/>
           </p:cNvCxnSpPr>
           <p:nvPr/>
         </p:nvCxnSpPr>
         <p:spPr>
           <a:xfrm flipH="1">
-            <a:off x="8943836" y="3429000"/>
-            <a:ext cx="387120" cy="0"/>
+            <a:off x="8059277" y="3353937"/>
+            <a:ext cx="82279" cy="0"/>
           </a:xfrm>
           <a:prstGeom prst="line">
             <a:avLst/>
           </a:prstGeom>
-          <a:ln w="28575"/>
+          <a:ln w="28575">
+            <a:solidFill>
+              <a:srgbClr val="FF0000"/>
+            </a:solidFill>
+          </a:ln>
         </p:spPr>
         <p:style>
           <a:lnRef idx="1">
-            <a:schemeClr val="dk1"/>
+            <a:schemeClr val="accent1"/>
           </a:lnRef>
           <a:fillRef idx="0">
-            <a:schemeClr val="dk1"/>
+            <a:schemeClr val="accent1"/>
           </a:fillRef>
           <a:effectRef idx="0">
-            <a:schemeClr val="dk1"/>
+            <a:schemeClr val="accent1"/>
+          </a:effectRef>
+          <a:fontRef idx="minor">
+            <a:schemeClr val="tx1"/>
+          </a:fontRef>
+        </p:style>
+      </p:cxnSp>
+      <p:cxnSp>
+        <p:nvCxnSpPr>
+          <p:cNvPr id="32" name="直線接點 31">
+            <a:extLst>
+              <a:ext uri="{FF2B5EF4-FFF2-40B4-BE49-F238E27FC236}">
+                <a16:creationId xmlns:a16="http://schemas.microsoft.com/office/drawing/2014/main" id="{3AA9319A-CD99-C095-8B5E-04802E8DFB6A}"/>
+              </a:ext>
+            </a:extLst>
+          </p:cNvPr>
+          <p:cNvCxnSpPr>
+            <a:cxnSpLocks/>
+            <a:stCxn id="17" idx="3"/>
+            <a:endCxn id="58" idx="1"/>
+          </p:cNvCxnSpPr>
+          <p:nvPr/>
+        </p:nvCxnSpPr>
+        <p:spPr>
+          <a:xfrm>
+            <a:off x="8861556" y="3353937"/>
+            <a:ext cx="849891" cy="0"/>
+          </a:xfrm>
+          <a:prstGeom prst="line">
+            <a:avLst/>
+          </a:prstGeom>
+          <a:ln w="28575">
+            <a:solidFill>
+              <a:srgbClr val="FF0000"/>
+            </a:solidFill>
+          </a:ln>
+        </p:spPr>
+        <p:style>
+          <a:lnRef idx="1">
+            <a:schemeClr val="accent1"/>
+          </a:lnRef>
+          <a:fillRef idx="0">
+            <a:schemeClr val="accent1"/>
+          </a:fillRef>
+          <a:effectRef idx="0">
+            <a:schemeClr val="accent1"/>
+          </a:effectRef>
+          <a:fontRef idx="minor">
+            <a:schemeClr val="tx1"/>
+          </a:fontRef>
+        </p:style>
+      </p:cxnSp>
+      <p:cxnSp>
+        <p:nvCxnSpPr>
+          <p:cNvPr id="35" name="直線接點 34">
+            <a:extLst>
+              <a:ext uri="{FF2B5EF4-FFF2-40B4-BE49-F238E27FC236}">
+                <a16:creationId xmlns:a16="http://schemas.microsoft.com/office/drawing/2014/main" id="{C6B7829A-89C9-44AB-A06F-30B58CC46726}"/>
+              </a:ext>
+            </a:extLst>
+          </p:cNvPr>
+          <p:cNvCxnSpPr>
+            <a:cxnSpLocks/>
+            <a:stCxn id="58" idx="3"/>
+            <a:endCxn id="62" idx="1"/>
+          </p:cNvCxnSpPr>
+          <p:nvPr/>
+        </p:nvCxnSpPr>
+        <p:spPr>
+          <a:xfrm>
+            <a:off x="10431447" y="3353937"/>
+            <a:ext cx="540409" cy="0"/>
+          </a:xfrm>
+          <a:prstGeom prst="line">
+            <a:avLst/>
+          </a:prstGeom>
+          <a:ln w="28575">
+            <a:solidFill>
+              <a:srgbClr val="FF0000"/>
+            </a:solidFill>
+          </a:ln>
+        </p:spPr>
+        <p:style>
+          <a:lnRef idx="1">
+            <a:schemeClr val="accent1"/>
+          </a:lnRef>
+          <a:fillRef idx="0">
+            <a:schemeClr val="accent1"/>
+          </a:fillRef>
+          <a:effectRef idx="0">
+            <a:schemeClr val="accent1"/>
+          </a:effectRef>
+          <a:fontRef idx="minor">
+            <a:schemeClr val="tx1"/>
+          </a:fontRef>
+        </p:style>
+      </p:cxnSp>
+      <p:cxnSp>
+        <p:nvCxnSpPr>
+          <p:cNvPr id="52" name="接點: 肘形 51">
+            <a:extLst>
+              <a:ext uri="{FF2B5EF4-FFF2-40B4-BE49-F238E27FC236}">
+                <a16:creationId xmlns:a16="http://schemas.microsoft.com/office/drawing/2014/main" id="{A8D841E8-999F-D323-624C-16022FB37BBC}"/>
+              </a:ext>
+            </a:extLst>
+          </p:cNvPr>
+          <p:cNvCxnSpPr>
+            <a:stCxn id="19" idx="3"/>
+            <a:endCxn id="12" idx="1"/>
+          </p:cNvCxnSpPr>
+          <p:nvPr/>
+        </p:nvCxnSpPr>
+        <p:spPr>
+          <a:xfrm flipV="1">
+            <a:off x="5664810" y="3353937"/>
+            <a:ext cx="872082" cy="217850"/>
+          </a:xfrm>
+          <a:prstGeom prst="bentConnector3">
+            <a:avLst/>
+          </a:prstGeom>
+          <a:ln w="28575">
+            <a:solidFill>
+              <a:srgbClr val="FF0000"/>
+            </a:solidFill>
+          </a:ln>
+        </p:spPr>
+        <p:style>
+          <a:lnRef idx="1">
+            <a:schemeClr val="accent1"/>
+          </a:lnRef>
+          <a:fillRef idx="0">
+            <a:schemeClr val="accent1"/>
+          </a:fillRef>
+          <a:effectRef idx="0">
+            <a:schemeClr val="accent1"/>
+          </a:effectRef>
+          <a:fontRef idx="minor">
+            <a:schemeClr val="tx1"/>
+          </a:fontRef>
+        </p:style>
+      </p:cxnSp>
+      <p:cxnSp>
+        <p:nvCxnSpPr>
+          <p:cNvPr id="56" name="接點: 肘形 55">
+            <a:extLst>
+              <a:ext uri="{FF2B5EF4-FFF2-40B4-BE49-F238E27FC236}">
+                <a16:creationId xmlns:a16="http://schemas.microsoft.com/office/drawing/2014/main" id="{2FEE1951-6A2E-992D-F598-F47576E28758}"/>
+              </a:ext>
+            </a:extLst>
+          </p:cNvPr>
+          <p:cNvCxnSpPr>
+            <a:stCxn id="7" idx="3"/>
+            <a:endCxn id="20" idx="1"/>
+          </p:cNvCxnSpPr>
+          <p:nvPr/>
+        </p:nvCxnSpPr>
+        <p:spPr>
+          <a:xfrm>
+            <a:off x="2898847" y="3263937"/>
+            <a:ext cx="878937" cy="307850"/>
+          </a:xfrm>
+          <a:prstGeom prst="bentConnector3">
+            <a:avLst/>
+          </a:prstGeom>
+          <a:ln w="28575">
+            <a:solidFill>
+              <a:srgbClr val="FF0000"/>
+            </a:solidFill>
+            <a:tailEnd type="triangle"/>
+          </a:ln>
+        </p:spPr>
+        <p:style>
+          <a:lnRef idx="1">
+            <a:schemeClr val="accent1"/>
+          </a:lnRef>
+          <a:fillRef idx="0">
+            <a:schemeClr val="accent1"/>
+          </a:fillRef>
+          <a:effectRef idx="0">
+            <a:schemeClr val="accent1"/>
           </a:effectRef>
           <a:fontRef idx="minor">
             <a:schemeClr val="tx1"/>
